--- a/Poster i prezentacija/lokalizacija.jpg.pptx
+++ b/Poster i prezentacija/lokalizacija.jpg.pptx
@@ -2622,7 +2622,7 @@
           <a:p>
             <a:fld id="{801BEC54-C3FE-47BB-9735-907719EA608D}" type="datetimeFigureOut">
               <a:rPr lang="en-US" smtClean="0"/>
-              <a:t>11/20/2017</a:t>
+              <a:t>11/21/2017</a:t>
             </a:fld>
             <a:endParaRPr lang="en-US"/>
           </a:p>
@@ -2820,7 +2820,7 @@
           <a:p>
             <a:fld id="{801BEC54-C3FE-47BB-9735-907719EA608D}" type="datetimeFigureOut">
               <a:rPr lang="en-US" smtClean="0"/>
-              <a:t>11/20/2017</a:t>
+              <a:t>11/21/2017</a:t>
             </a:fld>
             <a:endParaRPr lang="en-US"/>
           </a:p>
@@ -3028,7 +3028,7 @@
           <a:p>
             <a:fld id="{801BEC54-C3FE-47BB-9735-907719EA608D}" type="datetimeFigureOut">
               <a:rPr lang="en-US" smtClean="0"/>
-              <a:t>11/20/2017</a:t>
+              <a:t>11/21/2017</a:t>
             </a:fld>
             <a:endParaRPr lang="en-US"/>
           </a:p>
@@ -3226,7 +3226,7 @@
           <a:p>
             <a:fld id="{801BEC54-C3FE-47BB-9735-907719EA608D}" type="datetimeFigureOut">
               <a:rPr lang="en-US" smtClean="0"/>
-              <a:t>11/20/2017</a:t>
+              <a:t>11/21/2017</a:t>
             </a:fld>
             <a:endParaRPr lang="en-US"/>
           </a:p>
@@ -3501,7 +3501,7 @@
           <a:p>
             <a:fld id="{801BEC54-C3FE-47BB-9735-907719EA608D}" type="datetimeFigureOut">
               <a:rPr lang="en-US" smtClean="0"/>
-              <a:t>11/20/2017</a:t>
+              <a:t>11/21/2017</a:t>
             </a:fld>
             <a:endParaRPr lang="en-US"/>
           </a:p>
@@ -3766,7 +3766,7 @@
           <a:p>
             <a:fld id="{801BEC54-C3FE-47BB-9735-907719EA608D}" type="datetimeFigureOut">
               <a:rPr lang="en-US" smtClean="0"/>
-              <a:t>11/20/2017</a:t>
+              <a:t>11/21/2017</a:t>
             </a:fld>
             <a:endParaRPr lang="en-US"/>
           </a:p>
@@ -4178,7 +4178,7 @@
           <a:p>
             <a:fld id="{801BEC54-C3FE-47BB-9735-907719EA608D}" type="datetimeFigureOut">
               <a:rPr lang="en-US" smtClean="0"/>
-              <a:t>11/20/2017</a:t>
+              <a:t>11/21/2017</a:t>
             </a:fld>
             <a:endParaRPr lang="en-US"/>
           </a:p>
@@ -4319,7 +4319,7 @@
           <a:p>
             <a:fld id="{801BEC54-C3FE-47BB-9735-907719EA608D}" type="datetimeFigureOut">
               <a:rPr lang="en-US" smtClean="0"/>
-              <a:t>11/20/2017</a:t>
+              <a:t>11/21/2017</a:t>
             </a:fld>
             <a:endParaRPr lang="en-US"/>
           </a:p>
@@ -4432,7 +4432,7 @@
           <a:p>
             <a:fld id="{801BEC54-C3FE-47BB-9735-907719EA608D}" type="datetimeFigureOut">
               <a:rPr lang="en-US" smtClean="0"/>
-              <a:t>11/20/2017</a:t>
+              <a:t>11/21/2017</a:t>
             </a:fld>
             <a:endParaRPr lang="en-US"/>
           </a:p>
@@ -4743,7 +4743,7 @@
           <a:p>
             <a:fld id="{801BEC54-C3FE-47BB-9735-907719EA608D}" type="datetimeFigureOut">
               <a:rPr lang="en-US" smtClean="0"/>
-              <a:t>11/20/2017</a:t>
+              <a:t>11/21/2017</a:t>
             </a:fld>
             <a:endParaRPr lang="en-US"/>
           </a:p>
@@ -5031,7 +5031,7 @@
           <a:p>
             <a:fld id="{801BEC54-C3FE-47BB-9735-907719EA608D}" type="datetimeFigureOut">
               <a:rPr lang="en-US" smtClean="0"/>
-              <a:t>11/20/2017</a:t>
+              <a:t>11/21/2017</a:t>
             </a:fld>
             <a:endParaRPr lang="en-US"/>
           </a:p>
@@ -5272,7 +5272,7 @@
           <a:p>
             <a:fld id="{801BEC54-C3FE-47BB-9735-907719EA608D}" type="datetimeFigureOut">
               <a:rPr lang="en-US" smtClean="0"/>
-              <a:t>11/20/2017</a:t>
+              <a:t>11/21/2017</a:t>
             </a:fld>
             <a:endParaRPr lang="en-US"/>
           </a:p>
@@ -8924,7 +8924,15 @@
             <a:pPr algn="just"/>
             <a:r>
               <a:rPr lang="sr-Latn-RS" sz="3000" dirty="0"/>
-              <a:t>	Na slici 7 prikazane su greške pozicije i rotacije kamere zavisno od broja markera koji se na slici detektuju. Tačnost lokalizacije raste sa povećanjem broja markera na slici, do čega dolazi zbog većeg broja podataka na ulazu PnP algoritma.  U slučaju gde se na slici vide 3 markera kamera je značajno udaljena od istih. Kao što je pokazano u eksperimentu 1, greška lokalizacije raste sa udaljenošću što objašnjava veću tačnost lokali-zacije na slikama sa dvs u odnosu na slike sa tri markera.</a:t>
+              <a:t>	Na slici 7 prikazane su greške pozicije i rotacije kamere zavisno od broja markera koji se na slici detektuju. Tačnost lokalizacije raste sa povećanjem broja markera na slici, do čega dolazi zbog većeg broja podataka na ulazu PnP algoritma.  U slučaju gde se na slici vide 3 markera kamera je značajno udaljena od istih. Kao što je pokazano u eksperimentu 1, greška lokalizacije raste sa udaljenošću što objašnjava veću tačnost lokali-zacije na slikama sa dv</a:t>
+            </a:r>
+            <a:r>
+              <a:rPr lang="en-US" sz="3000" dirty="0"/>
+              <a:t>a</a:t>
+            </a:r>
+            <a:r>
+              <a:rPr lang="sr-Latn-RS" sz="3000" dirty="0"/>
+              <a:t> u odnosu na slike sa tri markera.</a:t>
             </a:r>
           </a:p>
           <a:p>
